--- a/Student-presentation.pptx
+++ b/Student-presentation.pptx
@@ -4,9 +4,15 @@
   <p:sldMasterIdLst>
     <p:sldMasterId id="2147483677" r:id="rId1"/>
   </p:sldMasterIdLst>
+  <p:notesMasterIdLst>
+    <p:notesMasterId r:id="rId7"/>
+  </p:notesMasterIdLst>
   <p:sldIdLst>
-    <p:sldId id="257" r:id="rId2"/>
-    <p:sldId id="258" r:id="rId3"/>
+    <p:sldId id="262" r:id="rId2"/>
+    <p:sldId id="259" r:id="rId3"/>
+    <p:sldId id="257" r:id="rId4"/>
+    <p:sldId id="260" r:id="rId5"/>
+    <p:sldId id="261" r:id="rId6"/>
   </p:sldIdLst>
   <p:sldSz cx="12192000" cy="6858000"/>
   <p:notesSz cx="6858000" cy="9144000"/>
@@ -105,7 +111,445 @@
       </a:defRPr>
     </a:lvl9pPr>
   </p:defaultTextStyle>
+  <p:extLst>
+    <p:ext uri="{EFAFB233-063F-42B5-8137-9DF3F51BA10A}">
+      <p15:sldGuideLst xmlns:p15="http://schemas.microsoft.com/office/powerpoint/2012/main"/>
+    </p:ext>
+  </p:extLst>
 </p:presentation>
+</file>
+
+<file path=ppt/notesMasters/notesMaster1.xml><?xml version="1.0" encoding="utf-8"?>
+<p:notesMaster xmlns:a="http://schemas.openxmlformats.org/drawingml/2006/main" xmlns:r="http://schemas.openxmlformats.org/officeDocument/2006/relationships" xmlns:p="http://schemas.openxmlformats.org/presentationml/2006/main">
+  <p:cSld>
+    <p:bg>
+      <p:bgRef idx="1001">
+        <a:schemeClr val="bg1"/>
+      </p:bgRef>
+    </p:bg>
+    <p:spTree>
+      <p:nvGrpSpPr>
+        <p:cNvPr id="1" name=""/>
+        <p:cNvGrpSpPr/>
+        <p:nvPr/>
+      </p:nvGrpSpPr>
+      <p:grpSpPr>
+        <a:xfrm>
+          <a:off x="0" y="0"/>
+          <a:ext cx="0" cy="0"/>
+          <a:chOff x="0" y="0"/>
+          <a:chExt cx="0" cy="0"/>
+        </a:xfrm>
+      </p:grpSpPr>
+      <p:sp>
+        <p:nvSpPr>
+          <p:cNvPr id="2" name="Header Placeholder 1"/>
+          <p:cNvSpPr>
+            <a:spLocks noGrp="1"/>
+          </p:cNvSpPr>
+          <p:nvPr>
+            <p:ph type="hdr" sz="quarter"/>
+          </p:nvPr>
+        </p:nvSpPr>
+        <p:spPr>
+          <a:xfrm>
+            <a:off x="0" y="0"/>
+            <a:ext cx="2971800" cy="458788"/>
+          </a:xfrm>
+          <a:prstGeom prst="rect">
+            <a:avLst/>
+          </a:prstGeom>
+        </p:spPr>
+        <p:txBody>
+          <a:bodyPr vert="horz" lIns="91440" tIns="45720" rIns="91440" bIns="45720" rtlCol="0"/>
+          <a:lstStyle>
+            <a:lvl1pPr algn="l">
+              <a:defRPr sz="1200"/>
+            </a:lvl1pPr>
+          </a:lstStyle>
+          <a:p>
+            <a:endParaRPr lang="en-US"/>
+          </a:p>
+        </p:txBody>
+      </p:sp>
+      <p:sp>
+        <p:nvSpPr>
+          <p:cNvPr id="3" name="Date Placeholder 2"/>
+          <p:cNvSpPr>
+            <a:spLocks noGrp="1"/>
+          </p:cNvSpPr>
+          <p:nvPr>
+            <p:ph type="dt" idx="1"/>
+          </p:nvPr>
+        </p:nvSpPr>
+        <p:spPr>
+          <a:xfrm>
+            <a:off x="3884613" y="0"/>
+            <a:ext cx="2971800" cy="458788"/>
+          </a:xfrm>
+          <a:prstGeom prst="rect">
+            <a:avLst/>
+          </a:prstGeom>
+        </p:spPr>
+        <p:txBody>
+          <a:bodyPr vert="horz" lIns="91440" tIns="45720" rIns="91440" bIns="45720" rtlCol="0"/>
+          <a:lstStyle>
+            <a:lvl1pPr algn="r">
+              <a:defRPr sz="1200"/>
+            </a:lvl1pPr>
+          </a:lstStyle>
+          <a:p>
+            <a:fld id="{55B527F1-3B28-AD4D-BBB7-391FC802BE6D}" type="datetimeFigureOut">
+              <a:rPr lang="en-US" smtClean="0"/>
+              <a:t>10/18/21</a:t>
+            </a:fld>
+            <a:endParaRPr lang="en-US"/>
+          </a:p>
+        </p:txBody>
+      </p:sp>
+      <p:sp>
+        <p:nvSpPr>
+          <p:cNvPr id="4" name="Slide Image Placeholder 3"/>
+          <p:cNvSpPr>
+            <a:spLocks noGrp="1" noRot="1" noChangeAspect="1"/>
+          </p:cNvSpPr>
+          <p:nvPr>
+            <p:ph type="sldImg" idx="2"/>
+          </p:nvPr>
+        </p:nvSpPr>
+        <p:spPr>
+          <a:xfrm>
+            <a:off x="685800" y="1143000"/>
+            <a:ext cx="5486400" cy="3086100"/>
+          </a:xfrm>
+          <a:prstGeom prst="rect">
+            <a:avLst/>
+          </a:prstGeom>
+          <a:noFill/>
+          <a:ln w="12700">
+            <a:solidFill>
+              <a:prstClr val="black"/>
+            </a:solidFill>
+          </a:ln>
+        </p:spPr>
+        <p:txBody>
+          <a:bodyPr vert="horz" lIns="91440" tIns="45720" rIns="91440" bIns="45720" rtlCol="0" anchor="ctr"/>
+          <a:lstStyle/>
+          <a:p>
+            <a:endParaRPr lang="en-US"/>
+          </a:p>
+        </p:txBody>
+      </p:sp>
+      <p:sp>
+        <p:nvSpPr>
+          <p:cNvPr id="5" name="Notes Placeholder 4"/>
+          <p:cNvSpPr>
+            <a:spLocks noGrp="1"/>
+          </p:cNvSpPr>
+          <p:nvPr>
+            <p:ph type="body" sz="quarter" idx="3"/>
+          </p:nvPr>
+        </p:nvSpPr>
+        <p:spPr>
+          <a:xfrm>
+            <a:off x="685800" y="4400550"/>
+            <a:ext cx="5486400" cy="3600450"/>
+          </a:xfrm>
+          <a:prstGeom prst="rect">
+            <a:avLst/>
+          </a:prstGeom>
+        </p:spPr>
+        <p:txBody>
+          <a:bodyPr vert="horz" lIns="91440" tIns="45720" rIns="91440" bIns="45720" rtlCol="0"/>
+          <a:lstStyle/>
+          <a:p>
+            <a:pPr lvl="0"/>
+            <a:r>
+              <a:rPr lang="en-US"/>
+              <a:t>Click to edit Master text styles</a:t>
+            </a:r>
+          </a:p>
+          <a:p>
+            <a:pPr lvl="1"/>
+            <a:r>
+              <a:rPr lang="en-US"/>
+              <a:t>Second level</a:t>
+            </a:r>
+          </a:p>
+          <a:p>
+            <a:pPr lvl="2"/>
+            <a:r>
+              <a:rPr lang="en-US"/>
+              <a:t>Third level</a:t>
+            </a:r>
+          </a:p>
+          <a:p>
+            <a:pPr lvl="3"/>
+            <a:r>
+              <a:rPr lang="en-US"/>
+              <a:t>Fourth level</a:t>
+            </a:r>
+          </a:p>
+          <a:p>
+            <a:pPr lvl="4"/>
+            <a:r>
+              <a:rPr lang="en-US"/>
+              <a:t>Fifth level</a:t>
+            </a:r>
+          </a:p>
+        </p:txBody>
+      </p:sp>
+      <p:sp>
+        <p:nvSpPr>
+          <p:cNvPr id="6" name="Footer Placeholder 5"/>
+          <p:cNvSpPr>
+            <a:spLocks noGrp="1"/>
+          </p:cNvSpPr>
+          <p:nvPr>
+            <p:ph type="ftr" sz="quarter" idx="4"/>
+          </p:nvPr>
+        </p:nvSpPr>
+        <p:spPr>
+          <a:xfrm>
+            <a:off x="0" y="8685213"/>
+            <a:ext cx="2971800" cy="458787"/>
+          </a:xfrm>
+          <a:prstGeom prst="rect">
+            <a:avLst/>
+          </a:prstGeom>
+        </p:spPr>
+        <p:txBody>
+          <a:bodyPr vert="horz" lIns="91440" tIns="45720" rIns="91440" bIns="45720" rtlCol="0" anchor="b"/>
+          <a:lstStyle>
+            <a:lvl1pPr algn="l">
+              <a:defRPr sz="1200"/>
+            </a:lvl1pPr>
+          </a:lstStyle>
+          <a:p>
+            <a:endParaRPr lang="en-US"/>
+          </a:p>
+        </p:txBody>
+      </p:sp>
+      <p:sp>
+        <p:nvSpPr>
+          <p:cNvPr id="7" name="Slide Number Placeholder 6"/>
+          <p:cNvSpPr>
+            <a:spLocks noGrp="1"/>
+          </p:cNvSpPr>
+          <p:nvPr>
+            <p:ph type="sldNum" sz="quarter" idx="5"/>
+          </p:nvPr>
+        </p:nvSpPr>
+        <p:spPr>
+          <a:xfrm>
+            <a:off x="3884613" y="8685213"/>
+            <a:ext cx="2971800" cy="458787"/>
+          </a:xfrm>
+          <a:prstGeom prst="rect">
+            <a:avLst/>
+          </a:prstGeom>
+        </p:spPr>
+        <p:txBody>
+          <a:bodyPr vert="horz" lIns="91440" tIns="45720" rIns="91440" bIns="45720" rtlCol="0" anchor="b"/>
+          <a:lstStyle>
+            <a:lvl1pPr algn="r">
+              <a:defRPr sz="1200"/>
+            </a:lvl1pPr>
+          </a:lstStyle>
+          <a:p>
+            <a:fld id="{0A05B0B1-589B-394F-A973-35683419BADC}" type="slidenum">
+              <a:rPr lang="en-US" smtClean="0"/>
+              <a:t>‹#›</a:t>
+            </a:fld>
+            <a:endParaRPr lang="en-US"/>
+          </a:p>
+        </p:txBody>
+      </p:sp>
+    </p:spTree>
+    <p:extLst>
+      <p:ext uri="{BB962C8B-B14F-4D97-AF65-F5344CB8AC3E}">
+        <p14:creationId xmlns:p14="http://schemas.microsoft.com/office/powerpoint/2010/main" val="693485926"/>
+      </p:ext>
+    </p:extLst>
+  </p:cSld>
+  <p:clrMap bg1="lt1" tx1="dk1" bg2="lt2" tx2="dk2" accent1="accent1" accent2="accent2" accent3="accent3" accent4="accent4" accent5="accent5" accent6="accent6" hlink="hlink" folHlink="folHlink"/>
+  <p:notesStyle>
+    <a:lvl1pPr marL="0" algn="l" defTabSz="914400" rtl="0" eaLnBrk="1" latinLnBrk="0" hangingPunct="1">
+      <a:defRPr sz="1200" kern="1200">
+        <a:solidFill>
+          <a:schemeClr val="tx1"/>
+        </a:solidFill>
+        <a:latin typeface="+mn-lt"/>
+        <a:ea typeface="+mn-ea"/>
+        <a:cs typeface="+mn-cs"/>
+      </a:defRPr>
+    </a:lvl1pPr>
+    <a:lvl2pPr marL="457200" algn="l" defTabSz="914400" rtl="0" eaLnBrk="1" latinLnBrk="0" hangingPunct="1">
+      <a:defRPr sz="1200" kern="1200">
+        <a:solidFill>
+          <a:schemeClr val="tx1"/>
+        </a:solidFill>
+        <a:latin typeface="+mn-lt"/>
+        <a:ea typeface="+mn-ea"/>
+        <a:cs typeface="+mn-cs"/>
+      </a:defRPr>
+    </a:lvl2pPr>
+    <a:lvl3pPr marL="914400" algn="l" defTabSz="914400" rtl="0" eaLnBrk="1" latinLnBrk="0" hangingPunct="1">
+      <a:defRPr sz="1200" kern="1200">
+        <a:solidFill>
+          <a:schemeClr val="tx1"/>
+        </a:solidFill>
+        <a:latin typeface="+mn-lt"/>
+        <a:ea typeface="+mn-ea"/>
+        <a:cs typeface="+mn-cs"/>
+      </a:defRPr>
+    </a:lvl3pPr>
+    <a:lvl4pPr marL="1371600" algn="l" defTabSz="914400" rtl="0" eaLnBrk="1" latinLnBrk="0" hangingPunct="1">
+      <a:defRPr sz="1200" kern="1200">
+        <a:solidFill>
+          <a:schemeClr val="tx1"/>
+        </a:solidFill>
+        <a:latin typeface="+mn-lt"/>
+        <a:ea typeface="+mn-ea"/>
+        <a:cs typeface="+mn-cs"/>
+      </a:defRPr>
+    </a:lvl4pPr>
+    <a:lvl5pPr marL="1828800" algn="l" defTabSz="914400" rtl="0" eaLnBrk="1" latinLnBrk="0" hangingPunct="1">
+      <a:defRPr sz="1200" kern="1200">
+        <a:solidFill>
+          <a:schemeClr val="tx1"/>
+        </a:solidFill>
+        <a:latin typeface="+mn-lt"/>
+        <a:ea typeface="+mn-ea"/>
+        <a:cs typeface="+mn-cs"/>
+      </a:defRPr>
+    </a:lvl5pPr>
+    <a:lvl6pPr marL="2286000" algn="l" defTabSz="914400" rtl="0" eaLnBrk="1" latinLnBrk="0" hangingPunct="1">
+      <a:defRPr sz="1200" kern="1200">
+        <a:solidFill>
+          <a:schemeClr val="tx1"/>
+        </a:solidFill>
+        <a:latin typeface="+mn-lt"/>
+        <a:ea typeface="+mn-ea"/>
+        <a:cs typeface="+mn-cs"/>
+      </a:defRPr>
+    </a:lvl6pPr>
+    <a:lvl7pPr marL="2743200" algn="l" defTabSz="914400" rtl="0" eaLnBrk="1" latinLnBrk="0" hangingPunct="1">
+      <a:defRPr sz="1200" kern="1200">
+        <a:solidFill>
+          <a:schemeClr val="tx1"/>
+        </a:solidFill>
+        <a:latin typeface="+mn-lt"/>
+        <a:ea typeface="+mn-ea"/>
+        <a:cs typeface="+mn-cs"/>
+      </a:defRPr>
+    </a:lvl7pPr>
+    <a:lvl8pPr marL="3200400" algn="l" defTabSz="914400" rtl="0" eaLnBrk="1" latinLnBrk="0" hangingPunct="1">
+      <a:defRPr sz="1200" kern="1200">
+        <a:solidFill>
+          <a:schemeClr val="tx1"/>
+        </a:solidFill>
+        <a:latin typeface="+mn-lt"/>
+        <a:ea typeface="+mn-ea"/>
+        <a:cs typeface="+mn-cs"/>
+      </a:defRPr>
+    </a:lvl8pPr>
+    <a:lvl9pPr marL="3657600" algn="l" defTabSz="914400" rtl="0" eaLnBrk="1" latinLnBrk="0" hangingPunct="1">
+      <a:defRPr sz="1200" kern="1200">
+        <a:solidFill>
+          <a:schemeClr val="tx1"/>
+        </a:solidFill>
+        <a:latin typeface="+mn-lt"/>
+        <a:ea typeface="+mn-ea"/>
+        <a:cs typeface="+mn-cs"/>
+      </a:defRPr>
+    </a:lvl9pPr>
+  </p:notesStyle>
+</p:notesMaster>
+</file>
+
+<file path=ppt/notesSlides/notesSlide1.xml><?xml version="1.0" encoding="utf-8"?>
+<p:notes xmlns:a="http://schemas.openxmlformats.org/drawingml/2006/main" xmlns:r="http://schemas.openxmlformats.org/officeDocument/2006/relationships" xmlns:p="http://schemas.openxmlformats.org/presentationml/2006/main">
+  <p:cSld>
+    <p:spTree>
+      <p:nvGrpSpPr>
+        <p:cNvPr id="1" name=""/>
+        <p:cNvGrpSpPr/>
+        <p:nvPr/>
+      </p:nvGrpSpPr>
+      <p:grpSpPr>
+        <a:xfrm>
+          <a:off x="0" y="0"/>
+          <a:ext cx="0" cy="0"/>
+          <a:chOff x="0" y="0"/>
+          <a:chExt cx="0" cy="0"/>
+        </a:xfrm>
+      </p:grpSpPr>
+      <p:sp>
+        <p:nvSpPr>
+          <p:cNvPr id="2" name="Slide Image Placeholder 1"/>
+          <p:cNvSpPr>
+            <a:spLocks noGrp="1" noRot="1" noChangeAspect="1"/>
+          </p:cNvSpPr>
+          <p:nvPr>
+            <p:ph type="sldImg"/>
+          </p:nvPr>
+        </p:nvSpPr>
+        <p:spPr/>
+      </p:sp>
+      <p:sp>
+        <p:nvSpPr>
+          <p:cNvPr id="3" name="Notes Placeholder 2"/>
+          <p:cNvSpPr>
+            <a:spLocks noGrp="1"/>
+          </p:cNvSpPr>
+          <p:nvPr>
+            <p:ph type="body" idx="1"/>
+          </p:nvPr>
+        </p:nvSpPr>
+        <p:spPr/>
+        <p:txBody>
+          <a:bodyPr/>
+          <a:lstStyle/>
+          <a:p>
+            <a:endParaRPr lang="en-US" dirty="0"/>
+          </a:p>
+        </p:txBody>
+      </p:sp>
+      <p:sp>
+        <p:nvSpPr>
+          <p:cNvPr id="4" name="Slide Number Placeholder 3"/>
+          <p:cNvSpPr>
+            <a:spLocks noGrp="1"/>
+          </p:cNvSpPr>
+          <p:nvPr>
+            <p:ph type="sldNum" sz="quarter" idx="5"/>
+          </p:nvPr>
+        </p:nvSpPr>
+        <p:spPr/>
+        <p:txBody>
+          <a:bodyPr/>
+          <a:lstStyle/>
+          <a:p>
+            <a:fld id="{0A05B0B1-589B-394F-A973-35683419BADC}" type="slidenum">
+              <a:rPr lang="en-US" smtClean="0"/>
+              <a:t>1</a:t>
+            </a:fld>
+            <a:endParaRPr lang="en-US"/>
+          </a:p>
+        </p:txBody>
+      </p:sp>
+    </p:spTree>
+    <p:extLst>
+      <p:ext uri="{BB962C8B-B14F-4D97-AF65-F5344CB8AC3E}">
+        <p14:creationId xmlns:p14="http://schemas.microsoft.com/office/powerpoint/2010/main" val="1494354933"/>
+      </p:ext>
+    </p:extLst>
+  </p:cSld>
+  <p:clrMapOvr>
+    <a:masterClrMapping/>
+  </p:clrMapOvr>
+</p:notes>
 </file>
 
 <file path=ppt/slideLayouts/slideLayout1.xml><?xml version="1.0" encoding="utf-8"?>
@@ -296,7 +740,7 @@
           <a:p>
             <a:fld id="{A616515A-118D-F742-B3B4-746670F42B9D}" type="datetimeFigureOut">
               <a:rPr lang="en-US" smtClean="0"/>
-              <a:t>10/11/21</a:t>
+              <a:t>10/18/21</a:t>
             </a:fld>
             <a:endParaRPr lang="en-US"/>
           </a:p>
@@ -634,7 +1078,7 @@
           <a:p>
             <a:fld id="{A616515A-118D-F742-B3B4-746670F42B9D}" type="datetimeFigureOut">
               <a:rPr lang="en-US" smtClean="0"/>
-              <a:t>10/11/21</a:t>
+              <a:t>10/18/21</a:t>
             </a:fld>
             <a:endParaRPr lang="en-US"/>
           </a:p>
@@ -1035,7 +1479,7 @@
           <a:p>
             <a:fld id="{A616515A-118D-F742-B3B4-746670F42B9D}" type="datetimeFigureOut">
               <a:rPr lang="en-US" smtClean="0"/>
-              <a:t>10/11/21</a:t>
+              <a:t>10/18/21</a:t>
             </a:fld>
             <a:endParaRPr lang="en-US"/>
           </a:p>
@@ -1371,7 +1815,7 @@
           <a:p>
             <a:fld id="{A616515A-118D-F742-B3B4-746670F42B9D}" type="datetimeFigureOut">
               <a:rPr lang="en-US" smtClean="0"/>
-              <a:t>10/11/21</a:t>
+              <a:t>10/18/21</a:t>
             </a:fld>
             <a:endParaRPr lang="en-US"/>
           </a:p>
@@ -1691,7 +2135,7 @@
           <a:p>
             <a:fld id="{A616515A-118D-F742-B3B4-746670F42B9D}" type="datetimeFigureOut">
               <a:rPr lang="en-US" smtClean="0"/>
-              <a:t>10/11/21</a:t>
+              <a:t>10/18/21</a:t>
             </a:fld>
             <a:endParaRPr lang="en-US"/>
           </a:p>
@@ -2087,7 +2531,7 @@
           <a:p>
             <a:fld id="{A616515A-118D-F742-B3B4-746670F42B9D}" type="datetimeFigureOut">
               <a:rPr lang="en-US" smtClean="0"/>
-              <a:t>10/11/21</a:t>
+              <a:t>10/18/21</a:t>
             </a:fld>
             <a:endParaRPr lang="en-US"/>
           </a:p>
@@ -2344,7 +2788,7 @@
           <a:p>
             <a:fld id="{A616515A-118D-F742-B3B4-746670F42B9D}" type="datetimeFigureOut">
               <a:rPr lang="en-US" smtClean="0"/>
-              <a:t>10/11/21</a:t>
+              <a:t>10/18/21</a:t>
             </a:fld>
             <a:endParaRPr lang="en-US"/>
           </a:p>
@@ -2606,7 +3050,7 @@
           <a:p>
             <a:fld id="{A616515A-118D-F742-B3B4-746670F42B9D}" type="datetimeFigureOut">
               <a:rPr lang="en-US" smtClean="0"/>
-              <a:t>10/11/21</a:t>
+              <a:t>10/18/21</a:t>
             </a:fld>
             <a:endParaRPr lang="en-US"/>
           </a:p>
@@ -2868,7 +3312,7 @@
           <a:p>
             <a:fld id="{A616515A-118D-F742-B3B4-746670F42B9D}" type="datetimeFigureOut">
               <a:rPr lang="en-US" smtClean="0"/>
-              <a:t>10/11/21</a:t>
+              <a:t>10/18/21</a:t>
             </a:fld>
             <a:endParaRPr lang="en-US"/>
           </a:p>
@@ -3197,7 +3641,7 @@
           <a:p>
             <a:fld id="{A616515A-118D-F742-B3B4-746670F42B9D}" type="datetimeFigureOut">
               <a:rPr lang="en-US" smtClean="0"/>
-              <a:t>10/11/21</a:t>
+              <a:t>10/18/21</a:t>
             </a:fld>
             <a:endParaRPr lang="en-US"/>
           </a:p>
@@ -3520,7 +3964,7 @@
           <a:p>
             <a:fld id="{A616515A-118D-F742-B3B4-746670F42B9D}" type="datetimeFigureOut">
               <a:rPr lang="en-US" smtClean="0"/>
-              <a:t>10/11/21</a:t>
+              <a:t>10/18/21</a:t>
             </a:fld>
             <a:endParaRPr lang="en-US"/>
           </a:p>
@@ -3977,7 +4421,7 @@
           <a:p>
             <a:fld id="{A616515A-118D-F742-B3B4-746670F42B9D}" type="datetimeFigureOut">
               <a:rPr lang="en-US" smtClean="0"/>
-              <a:t>10/11/21</a:t>
+              <a:t>10/18/21</a:t>
             </a:fld>
             <a:endParaRPr lang="en-US"/>
           </a:p>
@@ -4182,7 +4626,7 @@
           <a:p>
             <a:fld id="{A616515A-118D-F742-B3B4-746670F42B9D}" type="datetimeFigureOut">
               <a:rPr lang="en-US" smtClean="0"/>
-              <a:t>10/11/21</a:t>
+              <a:t>10/18/21</a:t>
             </a:fld>
             <a:endParaRPr lang="en-US"/>
           </a:p>
@@ -4359,7 +4803,7 @@
           <a:p>
             <a:fld id="{A616515A-118D-F742-B3B4-746670F42B9D}" type="datetimeFigureOut">
               <a:rPr lang="en-US" smtClean="0"/>
-              <a:t>10/11/21</a:t>
+              <a:t>10/18/21</a:t>
             </a:fld>
             <a:endParaRPr lang="en-US"/>
           </a:p>
@@ -4692,7 +5136,7 @@
           <a:p>
             <a:fld id="{A616515A-118D-F742-B3B4-746670F42B9D}" type="datetimeFigureOut">
               <a:rPr lang="en-US" smtClean="0"/>
-              <a:t>10/11/21</a:t>
+              <a:t>10/18/21</a:t>
             </a:fld>
             <a:endParaRPr lang="en-US"/>
           </a:p>
@@ -5037,7 +5481,7 @@
           <a:p>
             <a:fld id="{A616515A-118D-F742-B3B4-746670F42B9D}" type="datetimeFigureOut">
               <a:rPr lang="en-US" smtClean="0"/>
-              <a:t>10/11/21</a:t>
+              <a:t>10/18/21</a:t>
             </a:fld>
             <a:endParaRPr lang="en-US"/>
           </a:p>
@@ -7154,7 +7598,7 @@
           <a:p>
             <a:fld id="{A616515A-118D-F742-B3B4-746670F42B9D}" type="datetimeFigureOut">
               <a:rPr lang="en-US" smtClean="0"/>
-              <a:t>10/11/21</a:t>
+              <a:t>10/18/21</a:t>
             </a:fld>
             <a:endParaRPr lang="en-US"/>
           </a:p>
@@ -7673,10 +8117,10 @@
       </p:grpSpPr>
       <p:sp>
         <p:nvSpPr>
-          <p:cNvPr id="3" name="Content Placeholder 2">
+          <p:cNvPr id="2" name="Title 1">
             <a:extLst>
               <a:ext uri="{FF2B5EF4-FFF2-40B4-BE49-F238E27FC236}">
-                <a16:creationId xmlns:a16="http://schemas.microsoft.com/office/drawing/2014/main" id="{D6A15B97-80D5-FF43-B580-C4CFCD2937D6}"/>
+                <a16:creationId xmlns:a16="http://schemas.microsoft.com/office/drawing/2014/main" id="{959CECEC-E51A-1342-B261-270307FC53F2}"/>
               </a:ext>
             </a:extLst>
           </p:cNvPr>
@@ -7684,112 +8128,31 @@
             <a:spLocks noGrp="1"/>
           </p:cNvSpPr>
           <p:nvPr>
-            <p:ph idx="1"/>
+            <p:ph type="title"/>
           </p:nvPr>
         </p:nvSpPr>
         <p:spPr>
           <a:xfrm>
-            <a:off x="2589212" y="356616"/>
-            <a:ext cx="8915400" cy="6108192"/>
+            <a:off x="3154680" y="624110"/>
+            <a:ext cx="8349932" cy="1280890"/>
           </a:xfrm>
         </p:spPr>
         <p:txBody>
-          <a:bodyPr>
-            <a:normAutofit fontScale="92500" lnSpcReduction="10000"/>
-          </a:bodyPr>
+          <a:bodyPr/>
           <a:lstStyle/>
           <a:p>
             <a:r>
-              <a:rPr lang="en-PH" b="1" dirty="0"/>
-              <a:t>Length: </a:t>
+              <a:rPr lang="en-US" dirty="0"/>
+              <a:t>How to Write Good Title and </a:t>
+            </a:r>
+            <a:r>
+              <a:rPr lang="en-US" dirty="0" err="1"/>
+              <a:t>Descriptio</a:t>
             </a:r>
             <a:r>
               <a:rPr lang="en-PH" dirty="0"/>
-              <a:t>Title tags should be 50-60 characters long, including spaces.</a:t>
-            </a:r>
-          </a:p>
-          <a:p>
-            <a:endParaRPr lang="en-PH" dirty="0"/>
-          </a:p>
-          <a:p>
-            <a:r>
-              <a:rPr lang="en-PH" b="1" dirty="0"/>
-              <a:t>Keyword placement: </a:t>
-            </a:r>
-            <a:r>
-              <a:rPr lang="en-PH" dirty="0"/>
-              <a:t>Your most important keywords need to be first in your title tag, with your least important words coming last.</a:t>
-            </a:r>
-          </a:p>
-          <a:p>
-            <a:endParaRPr lang="en-PH" dirty="0"/>
-          </a:p>
-          <a:p>
-            <a:r>
-              <a:rPr lang="en-PH" b="1" dirty="0"/>
-              <a:t>Brand name: </a:t>
-            </a:r>
-            <a:r>
-              <a:rPr lang="en-PH" dirty="0"/>
-              <a:t>If your company name is not part of the important keyword phrases, put it at the end of the title tag.</a:t>
-            </a:r>
-          </a:p>
-          <a:p>
-            <a:endParaRPr lang="en-PH" dirty="0"/>
-          </a:p>
-          <a:p>
-            <a:r>
-              <a:rPr lang="en-PH" b="1" dirty="0"/>
-              <a:t>Primary Keyword – Secondary Keyword | Brand Name</a:t>
-            </a:r>
-            <a:endParaRPr lang="en-PH" dirty="0"/>
-          </a:p>
-          <a:p>
-            <a:endParaRPr lang="en-PH" dirty="0"/>
-          </a:p>
-          <a:p>
-            <a:r>
-              <a:rPr lang="en-PH" b="1" dirty="0"/>
-              <a:t>Do not duplicate title tags:</a:t>
-            </a:r>
-            <a:r>
-              <a:rPr lang="en-PH" dirty="0"/>
-              <a:t> They must be written differently for every page. Don’t mass replicate your title tags it will negatively affect your search visibility.</a:t>
-            </a:r>
-          </a:p>
-          <a:p>
-            <a:endParaRPr lang="en-PH" dirty="0"/>
-          </a:p>
-          <a:p>
-            <a:r>
-              <a:rPr lang="en-PH" b="1" dirty="0"/>
-              <a:t>Make it relevant: </a:t>
-            </a:r>
-            <a:r>
-              <a:rPr lang="en-PH" dirty="0"/>
-              <a:t>Title tags must accurately describe the content on the page.</a:t>
-            </a:r>
-          </a:p>
-          <a:p>
-            <a:endParaRPr lang="en-PH" dirty="0"/>
-          </a:p>
-          <a:p>
-            <a:r>
-              <a:rPr lang="en-PH" b="1" dirty="0"/>
-              <a:t>Do not ‘keyword stuff’ title tags: </a:t>
-            </a:r>
-            <a:r>
-              <a:rPr lang="en-PH" dirty="0"/>
-              <a:t>these are badly written title tags that try to rank for everything or repeat a word over and over. Keyword stuffing is the worst offense when it comes to title tags and you will be penalized for it.</a:t>
-            </a:r>
-          </a:p>
-          <a:p>
-            <a:endParaRPr lang="en-PH" dirty="0"/>
-          </a:p>
-          <a:p>
-            <a:endParaRPr lang="en-US" dirty="0"/>
-          </a:p>
-          <a:p>
+              <a:t>n</a:t>
+            </a:r>
             <a:endParaRPr lang="en-US" dirty="0"/>
           </a:p>
         </p:txBody>
@@ -7797,386 +8160,13 @@
     </p:spTree>
     <p:extLst>
       <p:ext uri="{BB962C8B-B14F-4D97-AF65-F5344CB8AC3E}">
-        <p14:creationId xmlns:p14="http://schemas.microsoft.com/office/powerpoint/2010/main" val="3889476113"/>
+        <p14:creationId xmlns:p14="http://schemas.microsoft.com/office/powerpoint/2010/main" val="981662193"/>
       </p:ext>
     </p:extLst>
   </p:cSld>
   <p:clrMapOvr>
     <a:masterClrMapping/>
   </p:clrMapOvr>
-  <p:timing>
-    <p:tnLst>
-      <p:par>
-        <p:cTn id="1" dur="indefinite" restart="never" nodeType="tmRoot">
-          <p:childTnLst>
-            <p:seq concurrent="1" nextAc="seek">
-              <p:cTn id="2" dur="indefinite" nodeType="mainSeq">
-                <p:childTnLst>
-                  <p:par>
-                    <p:cTn id="3" fill="hold">
-                      <p:stCondLst>
-                        <p:cond delay="indefinite"/>
-                      </p:stCondLst>
-                      <p:childTnLst>
-                        <p:par>
-                          <p:cTn id="4" fill="hold">
-                            <p:stCondLst>
-                              <p:cond delay="0"/>
-                            </p:stCondLst>
-                            <p:childTnLst>
-                              <p:par>
-                                <p:cTn id="5" presetID="1" presetClass="entr" presetSubtype="0" fill="hold" nodeType="clickEffect">
-                                  <p:stCondLst>
-                                    <p:cond delay="0"/>
-                                  </p:stCondLst>
-                                  <p:childTnLst>
-                                    <p:set>
-                                      <p:cBhvr>
-                                        <p:cTn id="6" dur="1" fill="hold">
-                                          <p:stCondLst>
-                                            <p:cond delay="0"/>
-                                          </p:stCondLst>
-                                        </p:cTn>
-                                        <p:tgtEl>
-                                          <p:spTgt spid="3">
-                                            <p:txEl>
-                                              <p:pRg st="0" end="0"/>
-                                            </p:txEl>
-                                          </p:spTgt>
-                                        </p:tgtEl>
-                                        <p:attrNameLst>
-                                          <p:attrName>style.visibility</p:attrName>
-                                        </p:attrNameLst>
-                                      </p:cBhvr>
-                                      <p:to>
-                                        <p:strVal val="visible"/>
-                                      </p:to>
-                                    </p:set>
-                                  </p:childTnLst>
-                                </p:cTn>
-                              </p:par>
-                            </p:childTnLst>
-                          </p:cTn>
-                        </p:par>
-                      </p:childTnLst>
-                    </p:cTn>
-                  </p:par>
-                  <p:par>
-                    <p:cTn id="7" fill="hold">
-                      <p:stCondLst>
-                        <p:cond delay="indefinite"/>
-                      </p:stCondLst>
-                      <p:childTnLst>
-                        <p:par>
-                          <p:cTn id="8" fill="hold">
-                            <p:stCondLst>
-                              <p:cond delay="0"/>
-                            </p:stCondLst>
-                            <p:childTnLst>
-                              <p:par>
-                                <p:cTn id="9" presetID="1" presetClass="entr" presetSubtype="0" fill="hold" nodeType="clickEffect">
-                                  <p:stCondLst>
-                                    <p:cond delay="0"/>
-                                  </p:stCondLst>
-                                  <p:childTnLst>
-                                    <p:set>
-                                      <p:cBhvr>
-                                        <p:cTn id="10" dur="1" fill="hold">
-                                          <p:stCondLst>
-                                            <p:cond delay="0"/>
-                                          </p:stCondLst>
-                                        </p:cTn>
-                                        <p:tgtEl>
-                                          <p:spTgt spid="3">
-                                            <p:txEl>
-                                              <p:pRg st="2" end="2"/>
-                                            </p:txEl>
-                                          </p:spTgt>
-                                        </p:tgtEl>
-                                        <p:attrNameLst>
-                                          <p:attrName>style.visibility</p:attrName>
-                                        </p:attrNameLst>
-                                      </p:cBhvr>
-                                      <p:to>
-                                        <p:strVal val="visible"/>
-                                      </p:to>
-                                    </p:set>
-                                  </p:childTnLst>
-                                </p:cTn>
-                              </p:par>
-                            </p:childTnLst>
-                          </p:cTn>
-                        </p:par>
-                      </p:childTnLst>
-                    </p:cTn>
-                  </p:par>
-                  <p:par>
-                    <p:cTn id="11" fill="hold">
-                      <p:stCondLst>
-                        <p:cond delay="indefinite"/>
-                      </p:stCondLst>
-                      <p:childTnLst>
-                        <p:par>
-                          <p:cTn id="12" fill="hold">
-                            <p:stCondLst>
-                              <p:cond delay="0"/>
-                            </p:stCondLst>
-                            <p:childTnLst>
-                              <p:par>
-                                <p:cTn id="13" presetID="1" presetClass="entr" presetSubtype="0" fill="hold" nodeType="clickEffect">
-                                  <p:stCondLst>
-                                    <p:cond delay="0"/>
-                                  </p:stCondLst>
-                                  <p:childTnLst>
-                                    <p:set>
-                                      <p:cBhvr>
-                                        <p:cTn id="14" dur="1" fill="hold">
-                                          <p:stCondLst>
-                                            <p:cond delay="0"/>
-                                          </p:stCondLst>
-                                        </p:cTn>
-                                        <p:tgtEl>
-                                          <p:spTgt spid="3">
-                                            <p:txEl>
-                                              <p:pRg st="4" end="4"/>
-                                            </p:txEl>
-                                          </p:spTgt>
-                                        </p:tgtEl>
-                                        <p:attrNameLst>
-                                          <p:attrName>style.visibility</p:attrName>
-                                        </p:attrNameLst>
-                                      </p:cBhvr>
-                                      <p:to>
-                                        <p:strVal val="visible"/>
-                                      </p:to>
-                                    </p:set>
-                                  </p:childTnLst>
-                                </p:cTn>
-                              </p:par>
-                            </p:childTnLst>
-                          </p:cTn>
-                        </p:par>
-                      </p:childTnLst>
-                    </p:cTn>
-                  </p:par>
-                  <p:par>
-                    <p:cTn id="15" fill="hold">
-                      <p:stCondLst>
-                        <p:cond delay="indefinite"/>
-                      </p:stCondLst>
-                      <p:childTnLst>
-                        <p:par>
-                          <p:cTn id="16" fill="hold">
-                            <p:stCondLst>
-                              <p:cond delay="0"/>
-                            </p:stCondLst>
-                            <p:childTnLst>
-                              <p:par>
-                                <p:cTn id="17" presetID="1" presetClass="entr" presetSubtype="0" fill="hold" nodeType="clickEffect">
-                                  <p:stCondLst>
-                                    <p:cond delay="0"/>
-                                  </p:stCondLst>
-                                  <p:childTnLst>
-                                    <p:set>
-                                      <p:cBhvr>
-                                        <p:cTn id="18" dur="1" fill="hold">
-                                          <p:stCondLst>
-                                            <p:cond delay="0"/>
-                                          </p:stCondLst>
-                                        </p:cTn>
-                                        <p:tgtEl>
-                                          <p:spTgt spid="3">
-                                            <p:txEl>
-                                              <p:pRg st="6" end="6"/>
-                                            </p:txEl>
-                                          </p:spTgt>
-                                        </p:tgtEl>
-                                        <p:attrNameLst>
-                                          <p:attrName>style.visibility</p:attrName>
-                                        </p:attrNameLst>
-                                      </p:cBhvr>
-                                      <p:to>
-                                        <p:strVal val="visible"/>
-                                      </p:to>
-                                    </p:set>
-                                  </p:childTnLst>
-                                </p:cTn>
-                              </p:par>
-                            </p:childTnLst>
-                          </p:cTn>
-                        </p:par>
-                      </p:childTnLst>
-                    </p:cTn>
-                  </p:par>
-                  <p:par>
-                    <p:cTn id="19" fill="hold">
-                      <p:stCondLst>
-                        <p:cond delay="indefinite"/>
-                      </p:stCondLst>
-                      <p:childTnLst>
-                        <p:par>
-                          <p:cTn id="20" fill="hold">
-                            <p:stCondLst>
-                              <p:cond delay="0"/>
-                            </p:stCondLst>
-                            <p:childTnLst>
-                              <p:par>
-                                <p:cTn id="21" presetID="1" presetClass="entr" presetSubtype="0" fill="hold" nodeType="clickEffect">
-                                  <p:stCondLst>
-                                    <p:cond delay="0"/>
-                                  </p:stCondLst>
-                                  <p:childTnLst>
-                                    <p:set>
-                                      <p:cBhvr>
-                                        <p:cTn id="22" dur="1" fill="hold">
-                                          <p:stCondLst>
-                                            <p:cond delay="0"/>
-                                          </p:stCondLst>
-                                        </p:cTn>
-                                        <p:tgtEl>
-                                          <p:spTgt spid="3">
-                                            <p:txEl>
-                                              <p:pRg st="8" end="8"/>
-                                            </p:txEl>
-                                          </p:spTgt>
-                                        </p:tgtEl>
-                                        <p:attrNameLst>
-                                          <p:attrName>style.visibility</p:attrName>
-                                        </p:attrNameLst>
-                                      </p:cBhvr>
-                                      <p:to>
-                                        <p:strVal val="visible"/>
-                                      </p:to>
-                                    </p:set>
-                                  </p:childTnLst>
-                                </p:cTn>
-                              </p:par>
-                            </p:childTnLst>
-                          </p:cTn>
-                        </p:par>
-                      </p:childTnLst>
-                    </p:cTn>
-                  </p:par>
-                  <p:par>
-                    <p:cTn id="23" fill="hold">
-                      <p:stCondLst>
-                        <p:cond delay="indefinite"/>
-                      </p:stCondLst>
-                      <p:childTnLst>
-                        <p:par>
-                          <p:cTn id="24" fill="hold">
-                            <p:stCondLst>
-                              <p:cond delay="0"/>
-                            </p:stCondLst>
-                            <p:childTnLst>
-                              <p:par>
-                                <p:cTn id="25" presetID="1" presetClass="entr" presetSubtype="0" fill="hold" nodeType="clickEffect">
-                                  <p:stCondLst>
-                                    <p:cond delay="0"/>
-                                  </p:stCondLst>
-                                  <p:childTnLst>
-                                    <p:set>
-                                      <p:cBhvr>
-                                        <p:cTn id="26" dur="1" fill="hold">
-                                          <p:stCondLst>
-                                            <p:cond delay="0"/>
-                                          </p:stCondLst>
-                                        </p:cTn>
-                                        <p:tgtEl>
-                                          <p:spTgt spid="3">
-                                            <p:txEl>
-                                              <p:pRg st="10" end="10"/>
-                                            </p:txEl>
-                                          </p:spTgt>
-                                        </p:tgtEl>
-                                        <p:attrNameLst>
-                                          <p:attrName>style.visibility</p:attrName>
-                                        </p:attrNameLst>
-                                      </p:cBhvr>
-                                      <p:to>
-                                        <p:strVal val="visible"/>
-                                      </p:to>
-                                    </p:set>
-                                  </p:childTnLst>
-                                </p:cTn>
-                              </p:par>
-                            </p:childTnLst>
-                          </p:cTn>
-                        </p:par>
-                      </p:childTnLst>
-                    </p:cTn>
-                  </p:par>
-                  <p:par>
-                    <p:cTn id="27" fill="hold">
-                      <p:stCondLst>
-                        <p:cond delay="indefinite"/>
-                      </p:stCondLst>
-                      <p:childTnLst>
-                        <p:par>
-                          <p:cTn id="28" fill="hold">
-                            <p:stCondLst>
-                              <p:cond delay="0"/>
-                            </p:stCondLst>
-                            <p:childTnLst>
-                              <p:par>
-                                <p:cTn id="29" presetID="1" presetClass="entr" presetSubtype="0" fill="hold" nodeType="clickEffect">
-                                  <p:stCondLst>
-                                    <p:cond delay="0"/>
-                                  </p:stCondLst>
-                                  <p:childTnLst>
-                                    <p:set>
-                                      <p:cBhvr>
-                                        <p:cTn id="30" dur="1" fill="hold">
-                                          <p:stCondLst>
-                                            <p:cond delay="0"/>
-                                          </p:stCondLst>
-                                        </p:cTn>
-                                        <p:tgtEl>
-                                          <p:spTgt spid="3">
-                                            <p:txEl>
-                                              <p:pRg st="12" end="12"/>
-                                            </p:txEl>
-                                          </p:spTgt>
-                                        </p:tgtEl>
-                                        <p:attrNameLst>
-                                          <p:attrName>style.visibility</p:attrName>
-                                        </p:attrNameLst>
-                                      </p:cBhvr>
-                                      <p:to>
-                                        <p:strVal val="visible"/>
-                                      </p:to>
-                                    </p:set>
-                                  </p:childTnLst>
-                                </p:cTn>
-                              </p:par>
-                            </p:childTnLst>
-                          </p:cTn>
-                        </p:par>
-                      </p:childTnLst>
-                    </p:cTn>
-                  </p:par>
-                </p:childTnLst>
-              </p:cTn>
-              <p:prevCondLst>
-                <p:cond evt="onPrev" delay="0">
-                  <p:tgtEl>
-                    <p:sldTgt/>
-                  </p:tgtEl>
-                </p:cond>
-              </p:prevCondLst>
-              <p:nextCondLst>
-                <p:cond evt="onNext" delay="0">
-                  <p:tgtEl>
-                    <p:sldTgt/>
-                  </p:tgtEl>
-                </p:cond>
-              </p:nextCondLst>
-            </p:seq>
-          </p:childTnLst>
-        </p:cTn>
-      </p:par>
-    </p:tnLst>
-  </p:timing>
 </p:sld>
 </file>
 
@@ -8202,7 +8192,7 @@
           <p:cNvPr id="3" name="Content Placeholder 2">
             <a:extLst>
               <a:ext uri="{FF2B5EF4-FFF2-40B4-BE49-F238E27FC236}">
-                <a16:creationId xmlns:a16="http://schemas.microsoft.com/office/drawing/2014/main" id="{0BA6535B-7151-DC4A-841F-638A15CFDD95}"/>
+                <a16:creationId xmlns:a16="http://schemas.microsoft.com/office/drawing/2014/main" id="{4114D867-F50B-2C4D-B357-3295D2E2F650}"/>
               </a:ext>
             </a:extLst>
           </p:cNvPr>
@@ -8215,129 +8205,46 @@
         </p:nvSpPr>
         <p:spPr>
           <a:xfrm>
-            <a:off x="2157984" y="457200"/>
-            <a:ext cx="8926004" cy="6176398"/>
+            <a:off x="1728216" y="493776"/>
+            <a:ext cx="9776396" cy="5417446"/>
           </a:xfrm>
         </p:spPr>
         <p:txBody>
-          <a:bodyPr>
-            <a:normAutofit lnSpcReduction="10000"/>
-          </a:bodyPr>
+          <a:bodyPr/>
           <a:lstStyle/>
           <a:p>
+            <a:pPr marL="0" indent="0">
+              <a:buNone/>
+            </a:pPr>
             <a:r>
               <a:rPr lang="en-PH" b="1" dirty="0"/>
-              <a:t>Keywords:</a:t>
+              <a:t>Two main reasons why title and description play a role in making sure our websites gain traffic:</a:t>
+            </a:r>
+          </a:p>
+          <a:p>
+            <a:endParaRPr lang="en-US" dirty="0"/>
+          </a:p>
+          <a:p>
+            <a:r>
+              <a:rPr lang="en-US" dirty="0"/>
+              <a:t>1. </a:t>
             </a:r>
             <a:r>
               <a:rPr lang="en-PH" dirty="0"/>
-              <a:t> do make sure your most important </a:t>
-            </a:r>
-            <a:r>
-              <a:rPr lang="en-PH" dirty="0">
-                <a:hlinkClick r:id="rId2"/>
-              </a:rPr>
-              <a:t>keywords</a:t>
+              <a:t>Your website’s meta title and description will usually be the first thing your website visitors see.</a:t>
+            </a:r>
+          </a:p>
+          <a:p>
+            <a:endParaRPr lang="en-US" dirty="0"/>
+          </a:p>
+          <a:p>
+            <a:r>
+              <a:rPr lang="en-US" dirty="0"/>
+              <a:t> </a:t>
             </a:r>
             <a:r>
               <a:rPr lang="en-PH" dirty="0"/>
-              <a:t> for the webpage show up in the meta description. Often search engines will highlight in</a:t>
-            </a:r>
-            <a:r>
-              <a:rPr lang="en-PH" b="1" dirty="0"/>
-              <a:t> bold </a:t>
-            </a:r>
-            <a:r>
-              <a:rPr lang="en-PH" dirty="0"/>
-              <a:t>where it finds the searchers query in your snippet.</a:t>
-            </a:r>
-          </a:p>
-          <a:p>
-            <a:r>
-              <a:rPr lang="en-PH" b="1" dirty="0"/>
-              <a:t>Write legible, readable copy:</a:t>
-            </a:r>
-            <a:r>
-              <a:rPr lang="en-PH" dirty="0"/>
-              <a:t> this is essential. Keyword stuffing your meta description is bad and it doesn’t help the searcher as they’ll assume your result leads to a spammy website. Make sure your description reads like a normal, human-written sentence.</a:t>
-            </a:r>
-          </a:p>
-          <a:p>
-            <a:r>
-              <a:rPr lang="en-PH" b="1" dirty="0"/>
-              <a:t>Treat the meta description as if it’s an advert for your web-page: </a:t>
-            </a:r>
-            <a:r>
-              <a:rPr lang="en-PH" dirty="0"/>
-              <a:t>make it as compelling and as relevant as possible. The description MUST match the content on the page, but you should also make it as appealing as possible.</a:t>
-            </a:r>
-          </a:p>
-          <a:p>
-            <a:r>
-              <a:rPr lang="en-PH" b="1" dirty="0"/>
-              <a:t>Length:</a:t>
-            </a:r>
-            <a:r>
-              <a:rPr lang="en-PH" dirty="0"/>
-              <a:t> a meta description should be no longer than </a:t>
-            </a:r>
-            <a:r>
-              <a:rPr lang="en-PH" b="1" dirty="0"/>
-              <a:t>135 – 160 characters long</a:t>
-            </a:r>
-            <a:r>
-              <a:rPr lang="en-PH" dirty="0"/>
-              <a:t> (although </a:t>
-            </a:r>
-            <a:r>
-              <a:rPr lang="en-PH" dirty="0">
-                <a:hlinkClick r:id="rId3"/>
-              </a:rPr>
-              <a:t>Google has recently been testing longer snippets</a:t>
-            </a:r>
-            <a:r>
-              <a:rPr lang="en-PH" dirty="0"/>
-              <a:t>). Any longer and search engines will chop the end off, so make sure any important keywords are nearer the front. Now and then, Google changes the length shown in the meta description. Try to get your main point across in the first 160 characters to ensure it is shown.</a:t>
-            </a:r>
-          </a:p>
-          <a:p>
-            <a:r>
-              <a:rPr lang="en-PH" b="1" dirty="0"/>
-              <a:t>Do not duplicate meta descriptions:</a:t>
-            </a:r>
-            <a:r>
-              <a:rPr lang="en-PH" dirty="0"/>
-              <a:t> As with </a:t>
-            </a:r>
-            <a:r>
-              <a:rPr lang="en-PH" dirty="0">
-                <a:hlinkClick r:id="rId4"/>
-              </a:rPr>
-              <a:t>title tags</a:t>
-            </a:r>
-            <a:r>
-              <a:rPr lang="en-PH" dirty="0"/>
-              <a:t>, the meta descriptions must be written differently for every page. Google may penalize you for mass duplicating your meta descriptions.</a:t>
-            </a:r>
-          </a:p>
-          <a:p>
-            <a:r>
-              <a:rPr lang="en-PH" b="1" dirty="0"/>
-              <a:t>Consider using rich snippets:</a:t>
-            </a:r>
-            <a:r>
-              <a:rPr lang="en-PH" dirty="0"/>
-              <a:t> by using </a:t>
-            </a:r>
-            <a:r>
-              <a:rPr lang="en-PH" dirty="0">
-                <a:hlinkClick r:id="rId5"/>
-              </a:rPr>
-              <a:t>schema</a:t>
-            </a:r>
-            <a:r>
-              <a:rPr lang="en-PH" dirty="0"/>
-              <a:t> markup you can add elements to the snippets to increase their appeal. For instance: star ratings, customer ratings, product information, calorie counts etc.</a:t>
+              <a:t>2. People in the search results page read the titles and meta descriptions of websites to decide which link to click. </a:t>
             </a:r>
           </a:p>
           <a:p>
@@ -8348,337 +8255,417 @@
     </p:spTree>
     <p:extLst>
       <p:ext uri="{BB962C8B-B14F-4D97-AF65-F5344CB8AC3E}">
-        <p14:creationId xmlns:p14="http://schemas.microsoft.com/office/powerpoint/2010/main" val="1136018305"/>
+        <p14:creationId xmlns:p14="http://schemas.microsoft.com/office/powerpoint/2010/main" val="3227455394"/>
       </p:ext>
     </p:extLst>
   </p:cSld>
   <p:clrMapOvr>
     <a:masterClrMapping/>
   </p:clrMapOvr>
-  <p:timing>
-    <p:tnLst>
-      <p:par>
-        <p:cTn id="1" dur="indefinite" restart="never" nodeType="tmRoot">
-          <p:childTnLst>
-            <p:seq concurrent="1" nextAc="seek">
-              <p:cTn id="2" dur="indefinite" nodeType="mainSeq">
-                <p:childTnLst>
-                  <p:par>
-                    <p:cTn id="3" fill="hold">
-                      <p:stCondLst>
-                        <p:cond delay="indefinite"/>
-                      </p:stCondLst>
-                      <p:childTnLst>
-                        <p:par>
-                          <p:cTn id="4" fill="hold">
-                            <p:stCondLst>
-                              <p:cond delay="0"/>
-                            </p:stCondLst>
-                            <p:childTnLst>
-                              <p:par>
-                                <p:cTn id="5" presetID="1" presetClass="entr" presetSubtype="0" fill="hold" nodeType="clickEffect">
-                                  <p:stCondLst>
-                                    <p:cond delay="0"/>
-                                  </p:stCondLst>
-                                  <p:childTnLst>
-                                    <p:set>
-                                      <p:cBhvr>
-                                        <p:cTn id="6" dur="1" fill="hold">
-                                          <p:stCondLst>
-                                            <p:cond delay="0"/>
-                                          </p:stCondLst>
-                                        </p:cTn>
-                                        <p:tgtEl>
-                                          <p:spTgt spid="3">
-                                            <p:txEl>
-                                              <p:pRg st="0" end="0"/>
-                                            </p:txEl>
-                                          </p:spTgt>
-                                        </p:tgtEl>
-                                        <p:attrNameLst>
-                                          <p:attrName>style.visibility</p:attrName>
-                                        </p:attrNameLst>
-                                      </p:cBhvr>
-                                      <p:to>
-                                        <p:strVal val="visible"/>
-                                      </p:to>
-                                    </p:set>
-                                  </p:childTnLst>
-                                </p:cTn>
-                              </p:par>
-                            </p:childTnLst>
-                          </p:cTn>
-                        </p:par>
-                      </p:childTnLst>
-                    </p:cTn>
-                  </p:par>
-                  <p:par>
-                    <p:cTn id="7" fill="hold">
-                      <p:stCondLst>
-                        <p:cond delay="indefinite"/>
-                      </p:stCondLst>
-                      <p:childTnLst>
-                        <p:par>
-                          <p:cTn id="8" fill="hold">
-                            <p:stCondLst>
-                              <p:cond delay="0"/>
-                            </p:stCondLst>
-                            <p:childTnLst>
-                              <p:par>
-                                <p:cTn id="9" presetID="1" presetClass="entr" presetSubtype="0" fill="hold" nodeType="clickEffect">
-                                  <p:stCondLst>
-                                    <p:cond delay="0"/>
-                                  </p:stCondLst>
-                                  <p:childTnLst>
-                                    <p:set>
-                                      <p:cBhvr>
-                                        <p:cTn id="10" dur="1" fill="hold">
-                                          <p:stCondLst>
-                                            <p:cond delay="0"/>
-                                          </p:stCondLst>
-                                        </p:cTn>
-                                        <p:tgtEl>
-                                          <p:spTgt spid="3">
-                                            <p:txEl>
-                                              <p:pRg st="1" end="1"/>
-                                            </p:txEl>
-                                          </p:spTgt>
-                                        </p:tgtEl>
-                                        <p:attrNameLst>
-                                          <p:attrName>style.visibility</p:attrName>
-                                        </p:attrNameLst>
-                                      </p:cBhvr>
-                                      <p:to>
-                                        <p:strVal val="visible"/>
-                                      </p:to>
-                                    </p:set>
-                                  </p:childTnLst>
-                                </p:cTn>
-                              </p:par>
-                            </p:childTnLst>
-                          </p:cTn>
-                        </p:par>
-                      </p:childTnLst>
-                    </p:cTn>
-                  </p:par>
-                  <p:par>
-                    <p:cTn id="11" fill="hold">
-                      <p:stCondLst>
-                        <p:cond delay="indefinite"/>
-                      </p:stCondLst>
-                      <p:childTnLst>
-                        <p:par>
-                          <p:cTn id="12" fill="hold">
-                            <p:stCondLst>
-                              <p:cond delay="0"/>
-                            </p:stCondLst>
-                            <p:childTnLst>
-                              <p:par>
-                                <p:cTn id="13" presetID="1" presetClass="entr" presetSubtype="0" fill="hold" nodeType="clickEffect">
-                                  <p:stCondLst>
-                                    <p:cond delay="0"/>
-                                  </p:stCondLst>
-                                  <p:childTnLst>
-                                    <p:set>
-                                      <p:cBhvr>
-                                        <p:cTn id="14" dur="1" fill="hold">
-                                          <p:stCondLst>
-                                            <p:cond delay="0"/>
-                                          </p:stCondLst>
-                                        </p:cTn>
-                                        <p:tgtEl>
-                                          <p:spTgt spid="3">
-                                            <p:txEl>
-                                              <p:pRg st="2" end="2"/>
-                                            </p:txEl>
-                                          </p:spTgt>
-                                        </p:tgtEl>
-                                        <p:attrNameLst>
-                                          <p:attrName>style.visibility</p:attrName>
-                                        </p:attrNameLst>
-                                      </p:cBhvr>
-                                      <p:to>
-                                        <p:strVal val="visible"/>
-                                      </p:to>
-                                    </p:set>
-                                  </p:childTnLst>
-                                </p:cTn>
-                              </p:par>
-                            </p:childTnLst>
-                          </p:cTn>
-                        </p:par>
-                      </p:childTnLst>
-                    </p:cTn>
-                  </p:par>
-                  <p:par>
-                    <p:cTn id="15" fill="hold">
-                      <p:stCondLst>
-                        <p:cond delay="indefinite"/>
-                      </p:stCondLst>
-                      <p:childTnLst>
-                        <p:par>
-                          <p:cTn id="16" fill="hold">
-                            <p:stCondLst>
-                              <p:cond delay="0"/>
-                            </p:stCondLst>
-                            <p:childTnLst>
-                              <p:par>
-                                <p:cTn id="17" presetID="1" presetClass="entr" presetSubtype="0" fill="hold" nodeType="clickEffect">
-                                  <p:stCondLst>
-                                    <p:cond delay="0"/>
-                                  </p:stCondLst>
-                                  <p:childTnLst>
-                                    <p:set>
-                                      <p:cBhvr>
-                                        <p:cTn id="18" dur="1" fill="hold">
-                                          <p:stCondLst>
-                                            <p:cond delay="0"/>
-                                          </p:stCondLst>
-                                        </p:cTn>
-                                        <p:tgtEl>
-                                          <p:spTgt spid="3">
-                                            <p:txEl>
-                                              <p:pRg st="3" end="3"/>
-                                            </p:txEl>
-                                          </p:spTgt>
-                                        </p:tgtEl>
-                                        <p:attrNameLst>
-                                          <p:attrName>style.visibility</p:attrName>
-                                        </p:attrNameLst>
-                                      </p:cBhvr>
-                                      <p:to>
-                                        <p:strVal val="visible"/>
-                                      </p:to>
-                                    </p:set>
-                                  </p:childTnLst>
-                                </p:cTn>
-                              </p:par>
-                            </p:childTnLst>
-                          </p:cTn>
-                        </p:par>
-                      </p:childTnLst>
-                    </p:cTn>
-                  </p:par>
-                  <p:par>
-                    <p:cTn id="19" fill="hold">
-                      <p:stCondLst>
-                        <p:cond delay="indefinite"/>
-                      </p:stCondLst>
-                      <p:childTnLst>
-                        <p:par>
-                          <p:cTn id="20" fill="hold">
-                            <p:stCondLst>
-                              <p:cond delay="0"/>
-                            </p:stCondLst>
-                            <p:childTnLst>
-                              <p:par>
-                                <p:cTn id="21" presetID="1" presetClass="entr" presetSubtype="0" fill="hold" nodeType="clickEffect">
-                                  <p:stCondLst>
-                                    <p:cond delay="0"/>
-                                  </p:stCondLst>
-                                  <p:childTnLst>
-                                    <p:set>
-                                      <p:cBhvr>
-                                        <p:cTn id="22" dur="1" fill="hold">
-                                          <p:stCondLst>
-                                            <p:cond delay="0"/>
-                                          </p:stCondLst>
-                                        </p:cTn>
-                                        <p:tgtEl>
-                                          <p:spTgt spid="3">
-                                            <p:txEl>
-                                              <p:pRg st="4" end="4"/>
-                                            </p:txEl>
-                                          </p:spTgt>
-                                        </p:tgtEl>
-                                        <p:attrNameLst>
-                                          <p:attrName>style.visibility</p:attrName>
-                                        </p:attrNameLst>
-                                      </p:cBhvr>
-                                      <p:to>
-                                        <p:strVal val="visible"/>
-                                      </p:to>
-                                    </p:set>
-                                  </p:childTnLst>
-                                </p:cTn>
-                              </p:par>
-                            </p:childTnLst>
-                          </p:cTn>
-                        </p:par>
-                      </p:childTnLst>
-                    </p:cTn>
-                  </p:par>
-                  <p:par>
-                    <p:cTn id="23" fill="hold">
-                      <p:stCondLst>
-                        <p:cond delay="indefinite"/>
-                      </p:stCondLst>
-                      <p:childTnLst>
-                        <p:par>
-                          <p:cTn id="24" fill="hold">
-                            <p:stCondLst>
-                              <p:cond delay="0"/>
-                            </p:stCondLst>
-                            <p:childTnLst>
-                              <p:par>
-                                <p:cTn id="25" presetID="1" presetClass="entr" presetSubtype="0" fill="hold" nodeType="clickEffect">
-                                  <p:stCondLst>
-                                    <p:cond delay="0"/>
-                                  </p:stCondLst>
-                                  <p:childTnLst>
-                                    <p:set>
-                                      <p:cBhvr>
-                                        <p:cTn id="26" dur="1" fill="hold">
-                                          <p:stCondLst>
-                                            <p:cond delay="0"/>
-                                          </p:stCondLst>
-                                        </p:cTn>
-                                        <p:tgtEl>
-                                          <p:spTgt spid="3">
-                                            <p:txEl>
-                                              <p:pRg st="5" end="5"/>
-                                            </p:txEl>
-                                          </p:spTgt>
-                                        </p:tgtEl>
-                                        <p:attrNameLst>
-                                          <p:attrName>style.visibility</p:attrName>
-                                        </p:attrNameLst>
-                                      </p:cBhvr>
-                                      <p:to>
-                                        <p:strVal val="visible"/>
-                                      </p:to>
-                                    </p:set>
-                                  </p:childTnLst>
-                                </p:cTn>
-                              </p:par>
-                            </p:childTnLst>
-                          </p:cTn>
-                        </p:par>
-                      </p:childTnLst>
-                    </p:cTn>
-                  </p:par>
-                </p:childTnLst>
-              </p:cTn>
-              <p:prevCondLst>
-                <p:cond evt="onPrev" delay="0">
-                  <p:tgtEl>
-                    <p:sldTgt/>
-                  </p:tgtEl>
-                </p:cond>
-              </p:prevCondLst>
-              <p:nextCondLst>
-                <p:cond evt="onNext" delay="0">
-                  <p:tgtEl>
-                    <p:sldTgt/>
-                  </p:tgtEl>
-                </p:cond>
-              </p:nextCondLst>
-            </p:seq>
-          </p:childTnLst>
-        </p:cTn>
-      </p:par>
-    </p:tnLst>
-  </p:timing>
+</p:sld>
+</file>
+
+<file path=ppt/slides/slide3.xml><?xml version="1.0" encoding="utf-8"?>
+<p:sld xmlns:a="http://schemas.openxmlformats.org/drawingml/2006/main" xmlns:r="http://schemas.openxmlformats.org/officeDocument/2006/relationships" xmlns:p="http://schemas.openxmlformats.org/presentationml/2006/main">
+  <p:cSld>
+    <p:spTree>
+      <p:nvGrpSpPr>
+        <p:cNvPr id="1" name=""/>
+        <p:cNvGrpSpPr/>
+        <p:nvPr/>
+      </p:nvGrpSpPr>
+      <p:grpSpPr>
+        <a:xfrm>
+          <a:off x="0" y="0"/>
+          <a:ext cx="0" cy="0"/>
+          <a:chOff x="0" y="0"/>
+          <a:chExt cx="0" cy="0"/>
+        </a:xfrm>
+      </p:grpSpPr>
+      <p:sp>
+        <p:nvSpPr>
+          <p:cNvPr id="3" name="Content Placeholder 2">
+            <a:extLst>
+              <a:ext uri="{FF2B5EF4-FFF2-40B4-BE49-F238E27FC236}">
+                <a16:creationId xmlns:a16="http://schemas.microsoft.com/office/drawing/2014/main" id="{D6A15B97-80D5-FF43-B580-C4CFCD2937D6}"/>
+              </a:ext>
+            </a:extLst>
+          </p:cNvPr>
+          <p:cNvSpPr>
+            <a:spLocks noGrp="1"/>
+          </p:cNvSpPr>
+          <p:nvPr>
+            <p:ph idx="1"/>
+          </p:nvPr>
+        </p:nvSpPr>
+        <p:spPr>
+          <a:xfrm>
+            <a:off x="2589212" y="356616"/>
+            <a:ext cx="8915400" cy="6108192"/>
+          </a:xfrm>
+        </p:spPr>
+        <p:txBody>
+          <a:bodyPr>
+            <a:normAutofit fontScale="70000" lnSpcReduction="20000"/>
+          </a:bodyPr>
+          <a:lstStyle/>
+          <a:p>
+            <a:pPr marL="0" indent="0">
+              <a:buNone/>
+            </a:pPr>
+            <a:r>
+              <a:rPr lang="en-PH" sz="2100" b="1" dirty="0"/>
+              <a:t>How to write good title tag and description:</a:t>
+            </a:r>
+          </a:p>
+          <a:p>
+            <a:endParaRPr lang="en-PH" b="1" dirty="0"/>
+          </a:p>
+          <a:p>
+            <a:r>
+              <a:rPr lang="en-PH" b="1" dirty="0"/>
+              <a:t>Length: </a:t>
+            </a:r>
+            <a:r>
+              <a:rPr lang="en-PH" dirty="0"/>
+              <a:t>Title tags should be 50-60 characters long, including spaces.  Meta descriptions should be no longer than </a:t>
+            </a:r>
+            <a:r>
+              <a:rPr lang="en-PH" b="1" dirty="0"/>
+              <a:t>135 – 160 characters long</a:t>
+            </a:r>
+            <a:endParaRPr lang="en-PH" dirty="0"/>
+          </a:p>
+          <a:p>
+            <a:endParaRPr lang="en-PH" dirty="0"/>
+          </a:p>
+          <a:p>
+            <a:r>
+              <a:rPr lang="en-PH" b="1" dirty="0"/>
+              <a:t>Keyword placement: </a:t>
+            </a:r>
+            <a:r>
+              <a:rPr lang="en-PH" dirty="0"/>
+              <a:t>Your most important keywords need to be first in your title tag, with your least important words coming last. Make sure your most important </a:t>
+            </a:r>
+            <a:r>
+              <a:rPr lang="en-PH" dirty="0">
+                <a:hlinkClick r:id="rId2"/>
+              </a:rPr>
+              <a:t>keywords</a:t>
+            </a:r>
+            <a:r>
+              <a:rPr lang="en-PH" dirty="0"/>
+              <a:t> for the webpage show up in the meta description. </a:t>
+            </a:r>
+          </a:p>
+          <a:p>
+            <a:pPr marL="0" indent="0">
+              <a:buNone/>
+            </a:pPr>
+            <a:endParaRPr lang="en-PH" dirty="0"/>
+          </a:p>
+          <a:p>
+            <a:r>
+              <a:rPr lang="en-PH" b="1" dirty="0"/>
+              <a:t>Do not ‘keyword stuff’ your title and description: </a:t>
+            </a:r>
+            <a:r>
+              <a:rPr lang="en-PH" dirty="0"/>
+              <a:t>these are badly written title tags and description that try to rank for everything or repeat a word over and over. Keyword stuffing is the worst offense when it comes to title tags and you will be penalized for it. Visitors will also think that your website is spammy.</a:t>
+            </a:r>
+          </a:p>
+          <a:p>
+            <a:endParaRPr lang="en-PH" dirty="0"/>
+          </a:p>
+          <a:p>
+            <a:r>
+              <a:rPr lang="en-PH" dirty="0"/>
+              <a:t>Example:  </a:t>
+            </a:r>
+            <a:r>
+              <a:rPr lang="en-PH" b="1" i="1" dirty="0"/>
+              <a:t>Buy Widgets | Best Widgets | Cheap Widgets | Widgets for Sale</a:t>
+            </a:r>
+          </a:p>
+          <a:p>
+            <a:endParaRPr lang="en-PH" dirty="0"/>
+          </a:p>
+          <a:p>
+            <a:r>
+              <a:rPr lang="en-PH" b="1" dirty="0"/>
+              <a:t>Brand name: </a:t>
+            </a:r>
+            <a:r>
+              <a:rPr lang="en-PH" dirty="0"/>
+              <a:t>If your company name is not part of the important keyword phrases, put it at the end of the title tag.</a:t>
+            </a:r>
+          </a:p>
+          <a:p>
+            <a:endParaRPr lang="en-PH" dirty="0"/>
+          </a:p>
+          <a:p>
+            <a:r>
+              <a:rPr lang="en-PH" b="1" dirty="0"/>
+              <a:t>Primary Keyword – Secondary Keyword | Brand Name</a:t>
+            </a:r>
+            <a:endParaRPr lang="en-PH" dirty="0"/>
+          </a:p>
+          <a:p>
+            <a:endParaRPr lang="en-PH" dirty="0"/>
+          </a:p>
+          <a:p>
+            <a:r>
+              <a:rPr lang="en-PH" b="1" dirty="0"/>
+              <a:t>Do not duplicate title tags and description:</a:t>
+            </a:r>
+            <a:r>
+              <a:rPr lang="en-PH" dirty="0"/>
+              <a:t> They must be written differently for every page. Don’t mass replicate your title tags it will negatively affect your search visibility.</a:t>
+            </a:r>
+          </a:p>
+          <a:p>
+            <a:endParaRPr lang="en-PH" dirty="0"/>
+          </a:p>
+          <a:p>
+            <a:r>
+              <a:rPr lang="en-PH" b="1" dirty="0"/>
+              <a:t>Make it relevant: </a:t>
+            </a:r>
+            <a:r>
+              <a:rPr lang="en-PH" dirty="0"/>
+              <a:t>Title tags and description must accurately describe the content on the page.</a:t>
+            </a:r>
+          </a:p>
+          <a:p>
+            <a:endParaRPr lang="en-PH" dirty="0"/>
+          </a:p>
+          <a:p>
+            <a:endParaRPr lang="en-PH" dirty="0"/>
+          </a:p>
+          <a:p>
+            <a:endParaRPr lang="en-US" dirty="0"/>
+          </a:p>
+          <a:p>
+            <a:endParaRPr lang="en-US" dirty="0"/>
+          </a:p>
+        </p:txBody>
+      </p:sp>
+    </p:spTree>
+    <p:extLst>
+      <p:ext uri="{BB962C8B-B14F-4D97-AF65-F5344CB8AC3E}">
+        <p14:creationId xmlns:p14="http://schemas.microsoft.com/office/powerpoint/2010/main" val="3889476113"/>
+      </p:ext>
+    </p:extLst>
+  </p:cSld>
+  <p:clrMapOvr>
+    <a:masterClrMapping/>
+  </p:clrMapOvr>
+</p:sld>
+</file>
+
+<file path=ppt/slides/slide4.xml><?xml version="1.0" encoding="utf-8"?>
+<p:sld xmlns:a="http://schemas.openxmlformats.org/drawingml/2006/main" xmlns:r="http://schemas.openxmlformats.org/officeDocument/2006/relationships" xmlns:p="http://schemas.openxmlformats.org/presentationml/2006/main">
+  <p:cSld>
+    <p:spTree>
+      <p:nvGrpSpPr>
+        <p:cNvPr id="1" name=""/>
+        <p:cNvGrpSpPr/>
+        <p:nvPr/>
+      </p:nvGrpSpPr>
+      <p:grpSpPr>
+        <a:xfrm>
+          <a:off x="0" y="0"/>
+          <a:ext cx="0" cy="0"/>
+          <a:chOff x="0" y="0"/>
+          <a:chExt cx="0" cy="0"/>
+        </a:xfrm>
+      </p:grpSpPr>
+      <p:sp>
+        <p:nvSpPr>
+          <p:cNvPr id="3" name="Content Placeholder 2">
+            <a:extLst>
+              <a:ext uri="{FF2B5EF4-FFF2-40B4-BE49-F238E27FC236}">
+                <a16:creationId xmlns:a16="http://schemas.microsoft.com/office/drawing/2014/main" id="{BF504389-4590-EE41-8CA1-60F398DCE2C9}"/>
+              </a:ext>
+            </a:extLst>
+          </p:cNvPr>
+          <p:cNvSpPr>
+            <a:spLocks noGrp="1"/>
+          </p:cNvSpPr>
+          <p:nvPr>
+            <p:ph idx="1"/>
+          </p:nvPr>
+        </p:nvSpPr>
+        <p:spPr/>
+        <p:txBody>
+          <a:bodyPr/>
+          <a:lstStyle/>
+          <a:p>
+            <a:r>
+              <a:rPr lang="en-PH" dirty="0"/>
+              <a:t>To conclude,  the purpose of the title and description is to summarize and inform users of your webpage content, to entice them to click through to your site. When you show a compelling and informative meta title and description, users are more likely to visit your site. And the more click-through-rate your site gets, the more Google will consider you to be a quality result, and therefore move you up the search results. </a:t>
+            </a:r>
+          </a:p>
+          <a:p>
+            <a:endParaRPr lang="en-US" dirty="0"/>
+          </a:p>
+        </p:txBody>
+      </p:sp>
+    </p:spTree>
+    <p:extLst>
+      <p:ext uri="{BB962C8B-B14F-4D97-AF65-F5344CB8AC3E}">
+        <p14:creationId xmlns:p14="http://schemas.microsoft.com/office/powerpoint/2010/main" val="3112845132"/>
+      </p:ext>
+    </p:extLst>
+  </p:cSld>
+  <p:clrMapOvr>
+    <a:masterClrMapping/>
+  </p:clrMapOvr>
+</p:sld>
+</file>
+
+<file path=ppt/slides/slide5.xml><?xml version="1.0" encoding="utf-8"?>
+<p:sld xmlns:a="http://schemas.openxmlformats.org/drawingml/2006/main" xmlns:r="http://schemas.openxmlformats.org/officeDocument/2006/relationships" xmlns:p="http://schemas.openxmlformats.org/presentationml/2006/main">
+  <p:cSld>
+    <p:spTree>
+      <p:nvGrpSpPr>
+        <p:cNvPr id="1" name=""/>
+        <p:cNvGrpSpPr/>
+        <p:nvPr/>
+      </p:nvGrpSpPr>
+      <p:grpSpPr>
+        <a:xfrm>
+          <a:off x="0" y="0"/>
+          <a:ext cx="0" cy="0"/>
+          <a:chOff x="0" y="0"/>
+          <a:chExt cx="0" cy="0"/>
+        </a:xfrm>
+      </p:grpSpPr>
+      <p:sp>
+        <p:nvSpPr>
+          <p:cNvPr id="3" name="Content Placeholder 2">
+            <a:extLst>
+              <a:ext uri="{FF2B5EF4-FFF2-40B4-BE49-F238E27FC236}">
+                <a16:creationId xmlns:a16="http://schemas.microsoft.com/office/drawing/2014/main" id="{FC5157D8-0466-3948-BC50-7C58F1FCFCAB}"/>
+              </a:ext>
+            </a:extLst>
+          </p:cNvPr>
+          <p:cNvSpPr>
+            <a:spLocks noGrp="1"/>
+          </p:cNvSpPr>
+          <p:nvPr>
+            <p:ph idx="1"/>
+          </p:nvPr>
+        </p:nvSpPr>
+        <p:spPr>
+          <a:xfrm>
+            <a:off x="2589212" y="1005840"/>
+            <a:ext cx="8915400" cy="4905382"/>
+          </a:xfrm>
+        </p:spPr>
+        <p:txBody>
+          <a:bodyPr/>
+          <a:lstStyle/>
+          <a:p>
+            <a:r>
+              <a:rPr lang="en-PH" u="sng" dirty="0">
+                <a:hlinkClick r:id="rId2"/>
+              </a:rPr>
+              <a:t>https://exposureninja.com/training/guides/seo/what-are-page-titles-descriptions/</a:t>
+            </a:r>
+            <a:endParaRPr lang="en-PH" u="sng" dirty="0"/>
+          </a:p>
+          <a:p>
+            <a:r>
+              <a:rPr lang="en-PH" dirty="0">
+                <a:hlinkClick r:id="rId3"/>
+              </a:rPr>
+              <a:t>https://</a:t>
+            </a:r>
+            <a:r>
+              <a:rPr lang="en-PH" dirty="0" err="1">
+                <a:hlinkClick r:id="rId3"/>
+              </a:rPr>
+              <a:t>www.searchenginewatch.com</a:t>
+            </a:r>
+            <a:r>
+              <a:rPr lang="en-PH" dirty="0">
+                <a:hlinkClick r:id="rId3"/>
+              </a:rPr>
+              <a:t>/2016/05/16/how-to-write-meta-title-tags-for-</a:t>
+            </a:r>
+            <a:r>
+              <a:rPr lang="en-PH" dirty="0" err="1">
+                <a:hlinkClick r:id="rId3"/>
+              </a:rPr>
+              <a:t>seo</a:t>
+            </a:r>
+            <a:r>
+              <a:rPr lang="en-PH" dirty="0">
+                <a:hlinkClick r:id="rId3"/>
+              </a:rPr>
+              <a:t>-with-good-and-bad-examples/</a:t>
+            </a:r>
+            <a:endParaRPr lang="en-PH" dirty="0"/>
+          </a:p>
+          <a:p>
+            <a:r>
+              <a:rPr lang="en-PH" u="sng" dirty="0">
+                <a:hlinkClick r:id="rId4"/>
+              </a:rPr>
+              <a:t>https://moz.com/learn/seo/title-tag</a:t>
+            </a:r>
+            <a:endParaRPr lang="en-PH" dirty="0"/>
+          </a:p>
+          <a:p>
+            <a:r>
+              <a:rPr lang="en-PH" dirty="0">
+                <a:hlinkClick r:id="rId5"/>
+              </a:rPr>
+              <a:t>https://</a:t>
+            </a:r>
+            <a:r>
+              <a:rPr lang="en-PH" dirty="0" err="1">
+                <a:hlinkClick r:id="rId5"/>
+              </a:rPr>
+              <a:t>moz.com</a:t>
+            </a:r>
+            <a:r>
+              <a:rPr lang="en-PH" dirty="0">
+                <a:hlinkClick r:id="rId5"/>
+              </a:rPr>
+              <a:t>/learn/</a:t>
+            </a:r>
+            <a:r>
+              <a:rPr lang="en-PH" dirty="0" err="1">
+                <a:hlinkClick r:id="rId5"/>
+              </a:rPr>
+              <a:t>seo</a:t>
+            </a:r>
+            <a:r>
+              <a:rPr lang="en-PH" dirty="0">
+                <a:hlinkClick r:id="rId5"/>
+              </a:rPr>
+              <a:t>/meta-description</a:t>
+            </a:r>
+            <a:endParaRPr lang="en-PH" dirty="0"/>
+          </a:p>
+          <a:p>
+            <a:endParaRPr lang="en-US" dirty="0"/>
+          </a:p>
+        </p:txBody>
+      </p:sp>
+    </p:spTree>
+    <p:extLst>
+      <p:ext uri="{BB962C8B-B14F-4D97-AF65-F5344CB8AC3E}">
+        <p14:creationId xmlns:p14="http://schemas.microsoft.com/office/powerpoint/2010/main" val="1473295406"/>
+      </p:ext>
+    </p:extLst>
+  </p:cSld>
+  <p:clrMapOvr>
+    <a:masterClrMapping/>
+  </p:clrMapOvr>
 </p:sld>
 </file>
 
@@ -8923,4 +8910,299 @@
     </a:ext>
   </a:extLst>
 </a:theme>
+</file>
+
+<file path=ppt/theme/theme2.xml><?xml version="1.0" encoding="utf-8"?>
+<a:theme xmlns:a="http://schemas.openxmlformats.org/drawingml/2006/main" name="Office Theme">
+  <a:themeElements>
+    <a:clrScheme name="Office">
+      <a:dk1>
+        <a:sysClr val="windowText" lastClr="000000"/>
+      </a:dk1>
+      <a:lt1>
+        <a:sysClr val="window" lastClr="FFFFFF"/>
+      </a:lt1>
+      <a:dk2>
+        <a:srgbClr val="44546A"/>
+      </a:dk2>
+      <a:lt2>
+        <a:srgbClr val="E7E6E6"/>
+      </a:lt2>
+      <a:accent1>
+        <a:srgbClr val="4472C4"/>
+      </a:accent1>
+      <a:accent2>
+        <a:srgbClr val="ED7D31"/>
+      </a:accent2>
+      <a:accent3>
+        <a:srgbClr val="A5A5A5"/>
+      </a:accent3>
+      <a:accent4>
+        <a:srgbClr val="FFC000"/>
+      </a:accent4>
+      <a:accent5>
+        <a:srgbClr val="5B9BD5"/>
+      </a:accent5>
+      <a:accent6>
+        <a:srgbClr val="70AD47"/>
+      </a:accent6>
+      <a:hlink>
+        <a:srgbClr val="0563C1"/>
+      </a:hlink>
+      <a:folHlink>
+        <a:srgbClr val="954F72"/>
+      </a:folHlink>
+    </a:clrScheme>
+    <a:fontScheme name="Office">
+      <a:majorFont>
+        <a:latin typeface="Calibri Light" panose="020F0302020204030204"/>
+        <a:ea typeface=""/>
+        <a:cs typeface=""/>
+        <a:font script="Jpan" typeface="游ゴシック Light"/>
+        <a:font script="Hang" typeface="맑은 고딕"/>
+        <a:font script="Hans" typeface="等线 Light"/>
+        <a:font script="Hant" typeface="新細明體"/>
+        <a:font script="Arab" typeface="Times New Roman"/>
+        <a:font script="Hebr" typeface="Times New Roman"/>
+        <a:font script="Thai" typeface="Angsana New"/>
+        <a:font script="Ethi" typeface="Nyala"/>
+        <a:font script="Beng" typeface="Vrinda"/>
+        <a:font script="Gujr" typeface="Shruti"/>
+        <a:font script="Khmr" typeface="MoolBoran"/>
+        <a:font script="Knda" typeface="Tunga"/>
+        <a:font script="Guru" typeface="Raavi"/>
+        <a:font script="Cans" typeface="Euphemia"/>
+        <a:font script="Cher" typeface="Plantagenet Cherokee"/>
+        <a:font script="Yiii" typeface="Microsoft Yi Baiti"/>
+        <a:font script="Tibt" typeface="Microsoft Himalaya"/>
+        <a:font script="Thaa" typeface="MV Boli"/>
+        <a:font script="Deva" typeface="Mangal"/>
+        <a:font script="Telu" typeface="Gautami"/>
+        <a:font script="Taml" typeface="Latha"/>
+        <a:font script="Syrc" typeface="Estrangelo Edessa"/>
+        <a:font script="Orya" typeface="Kalinga"/>
+        <a:font script="Mlym" typeface="Kartika"/>
+        <a:font script="Laoo" typeface="DokChampa"/>
+        <a:font script="Sinh" typeface="Iskoola Pota"/>
+        <a:font script="Mong" typeface="Mongolian Baiti"/>
+        <a:font script="Viet" typeface="Times New Roman"/>
+        <a:font script="Uigh" typeface="Microsoft Uighur"/>
+        <a:font script="Geor" typeface="Sylfaen"/>
+        <a:font script="Armn" typeface="Arial"/>
+        <a:font script="Bugi" typeface="Leelawadee UI"/>
+        <a:font script="Bopo" typeface="Microsoft JhengHei"/>
+        <a:font script="Java" typeface="Javanese Text"/>
+        <a:font script="Lisu" typeface="Segoe UI"/>
+        <a:font script="Mymr" typeface="Myanmar Text"/>
+        <a:font script="Nkoo" typeface="Ebrima"/>
+        <a:font script="Olck" typeface="Nirmala UI"/>
+        <a:font script="Osma" typeface="Ebrima"/>
+        <a:font script="Phag" typeface="Phagspa"/>
+        <a:font script="Syrn" typeface="Estrangelo Edessa"/>
+        <a:font script="Syrj" typeface="Estrangelo Edessa"/>
+        <a:font script="Syre" typeface="Estrangelo Edessa"/>
+        <a:font script="Sora" typeface="Nirmala UI"/>
+        <a:font script="Tale" typeface="Microsoft Tai Le"/>
+        <a:font script="Talu" typeface="Microsoft New Tai Lue"/>
+        <a:font script="Tfng" typeface="Ebrima"/>
+      </a:majorFont>
+      <a:minorFont>
+        <a:latin typeface="Calibri" panose="020F0502020204030204"/>
+        <a:ea typeface=""/>
+        <a:cs typeface=""/>
+        <a:font script="Jpan" typeface="游ゴシック"/>
+        <a:font script="Hang" typeface="맑은 고딕"/>
+        <a:font script="Hans" typeface="等线"/>
+        <a:font script="Hant" typeface="新細明體"/>
+        <a:font script="Arab" typeface="Arial"/>
+        <a:font script="Hebr" typeface="Arial"/>
+        <a:font script="Thai" typeface="Cordia New"/>
+        <a:font script="Ethi" typeface="Nyala"/>
+        <a:font script="Beng" typeface="Vrinda"/>
+        <a:font script="Gujr" typeface="Shruti"/>
+        <a:font script="Khmr" typeface="DaunPenh"/>
+        <a:font script="Knda" typeface="Tunga"/>
+        <a:font script="Guru" typeface="Raavi"/>
+        <a:font script="Cans" typeface="Euphemia"/>
+        <a:font script="Cher" typeface="Plantagenet Cherokee"/>
+        <a:font script="Yiii" typeface="Microsoft Yi Baiti"/>
+        <a:font script="Tibt" typeface="Microsoft Himalaya"/>
+        <a:font script="Thaa" typeface="MV Boli"/>
+        <a:font script="Deva" typeface="Mangal"/>
+        <a:font script="Telu" typeface="Gautami"/>
+        <a:font script="Taml" typeface="Latha"/>
+        <a:font script="Syrc" typeface="Estrangelo Edessa"/>
+        <a:font script="Orya" typeface="Kalinga"/>
+        <a:font script="Mlym" typeface="Kartika"/>
+        <a:font script="Laoo" typeface="DokChampa"/>
+        <a:font script="Sinh" typeface="Iskoola Pota"/>
+        <a:font script="Mong" typeface="Mongolian Baiti"/>
+        <a:font script="Viet" typeface="Arial"/>
+        <a:font script="Uigh" typeface="Microsoft Uighur"/>
+        <a:font script="Geor" typeface="Sylfaen"/>
+        <a:font script="Armn" typeface="Arial"/>
+        <a:font script="Bugi" typeface="Leelawadee UI"/>
+        <a:font script="Bopo" typeface="Microsoft JhengHei"/>
+        <a:font script="Java" typeface="Javanese Text"/>
+        <a:font script="Lisu" typeface="Segoe UI"/>
+        <a:font script="Mymr" typeface="Myanmar Text"/>
+        <a:font script="Nkoo" typeface="Ebrima"/>
+        <a:font script="Olck" typeface="Nirmala UI"/>
+        <a:font script="Osma" typeface="Ebrima"/>
+        <a:font script="Phag" typeface="Phagspa"/>
+        <a:font script="Syrn" typeface="Estrangelo Edessa"/>
+        <a:font script="Syrj" typeface="Estrangelo Edessa"/>
+        <a:font script="Syre" typeface="Estrangelo Edessa"/>
+        <a:font script="Sora" typeface="Nirmala UI"/>
+        <a:font script="Tale" typeface="Microsoft Tai Le"/>
+        <a:font script="Talu" typeface="Microsoft New Tai Lue"/>
+        <a:font script="Tfng" typeface="Ebrima"/>
+      </a:minorFont>
+    </a:fontScheme>
+    <a:fmtScheme name="Office">
+      <a:fillStyleLst>
+        <a:solidFill>
+          <a:schemeClr val="phClr"/>
+        </a:solidFill>
+        <a:gradFill rotWithShape="1">
+          <a:gsLst>
+            <a:gs pos="0">
+              <a:schemeClr val="phClr">
+                <a:lumMod val="110000"/>
+                <a:satMod val="105000"/>
+                <a:tint val="67000"/>
+              </a:schemeClr>
+            </a:gs>
+            <a:gs pos="50000">
+              <a:schemeClr val="phClr">
+                <a:lumMod val="105000"/>
+                <a:satMod val="103000"/>
+                <a:tint val="73000"/>
+              </a:schemeClr>
+            </a:gs>
+            <a:gs pos="100000">
+              <a:schemeClr val="phClr">
+                <a:lumMod val="105000"/>
+                <a:satMod val="109000"/>
+                <a:tint val="81000"/>
+              </a:schemeClr>
+            </a:gs>
+          </a:gsLst>
+          <a:lin ang="5400000" scaled="0"/>
+        </a:gradFill>
+        <a:gradFill rotWithShape="1">
+          <a:gsLst>
+            <a:gs pos="0">
+              <a:schemeClr val="phClr">
+                <a:satMod val="103000"/>
+                <a:lumMod val="102000"/>
+                <a:tint val="94000"/>
+              </a:schemeClr>
+            </a:gs>
+            <a:gs pos="50000">
+              <a:schemeClr val="phClr">
+                <a:satMod val="110000"/>
+                <a:lumMod val="100000"/>
+                <a:shade val="100000"/>
+              </a:schemeClr>
+            </a:gs>
+            <a:gs pos="100000">
+              <a:schemeClr val="phClr">
+                <a:lumMod val="99000"/>
+                <a:satMod val="120000"/>
+                <a:shade val="78000"/>
+              </a:schemeClr>
+            </a:gs>
+          </a:gsLst>
+          <a:lin ang="5400000" scaled="0"/>
+        </a:gradFill>
+      </a:fillStyleLst>
+      <a:lnStyleLst>
+        <a:ln w="6350" cap="flat" cmpd="sng" algn="ctr">
+          <a:solidFill>
+            <a:schemeClr val="phClr"/>
+          </a:solidFill>
+          <a:prstDash val="solid"/>
+          <a:miter lim="800000"/>
+        </a:ln>
+        <a:ln w="12700" cap="flat" cmpd="sng" algn="ctr">
+          <a:solidFill>
+            <a:schemeClr val="phClr"/>
+          </a:solidFill>
+          <a:prstDash val="solid"/>
+          <a:miter lim="800000"/>
+        </a:ln>
+        <a:ln w="19050" cap="flat" cmpd="sng" algn="ctr">
+          <a:solidFill>
+            <a:schemeClr val="phClr"/>
+          </a:solidFill>
+          <a:prstDash val="solid"/>
+          <a:miter lim="800000"/>
+        </a:ln>
+      </a:lnStyleLst>
+      <a:effectStyleLst>
+        <a:effectStyle>
+          <a:effectLst/>
+        </a:effectStyle>
+        <a:effectStyle>
+          <a:effectLst/>
+        </a:effectStyle>
+        <a:effectStyle>
+          <a:effectLst>
+            <a:outerShdw blurRad="57150" dist="19050" dir="5400000" algn="ctr" rotWithShape="0">
+              <a:srgbClr val="000000">
+                <a:alpha val="63000"/>
+              </a:srgbClr>
+            </a:outerShdw>
+          </a:effectLst>
+        </a:effectStyle>
+      </a:effectStyleLst>
+      <a:bgFillStyleLst>
+        <a:solidFill>
+          <a:schemeClr val="phClr"/>
+        </a:solidFill>
+        <a:solidFill>
+          <a:schemeClr val="phClr">
+            <a:tint val="95000"/>
+            <a:satMod val="170000"/>
+          </a:schemeClr>
+        </a:solidFill>
+        <a:gradFill rotWithShape="1">
+          <a:gsLst>
+            <a:gs pos="0">
+              <a:schemeClr val="phClr">
+                <a:tint val="93000"/>
+                <a:satMod val="150000"/>
+                <a:shade val="98000"/>
+                <a:lumMod val="102000"/>
+              </a:schemeClr>
+            </a:gs>
+            <a:gs pos="50000">
+              <a:schemeClr val="phClr">
+                <a:tint val="98000"/>
+                <a:satMod val="130000"/>
+                <a:shade val="90000"/>
+                <a:lumMod val="103000"/>
+              </a:schemeClr>
+            </a:gs>
+            <a:gs pos="100000">
+              <a:schemeClr val="phClr">
+                <a:shade val="63000"/>
+                <a:satMod val="120000"/>
+              </a:schemeClr>
+            </a:gs>
+          </a:gsLst>
+          <a:lin ang="5400000" scaled="0"/>
+        </a:gradFill>
+      </a:bgFillStyleLst>
+    </a:fmtScheme>
+  </a:themeElements>
+  <a:objectDefaults/>
+  <a:extraClrSchemeLst/>
+  <a:extLst>
+    <a:ext uri="{05A4C25C-085E-4340-85A3-A5531E510DB2}">
+      <thm15:themeFamily xmlns:thm15="http://schemas.microsoft.com/office/thememl/2012/main" name="Office Theme" id="{62F939B6-93AF-4DB8-9C6B-D6C7DFDC589F}" vid="{4A3C46E8-61CC-4603-A589-7422A47A8E4A}"/>
+    </a:ext>
+  </a:extLst>
+</a:theme>
 </file>